--- a/EngenhariaSoftware/Diagrama-Gerson(Componentes)/Diagrama(Aula Gerson).pptx
+++ b/EngenhariaSoftware/Diagrama-Gerson(Componentes)/Diagrama(Aula Gerson).pptx
@@ -5598,44 +5598,6 @@
           </a:p>
         </p:txBody>
       </p:sp>
-      <p:sp>
-        <p:nvSpPr>
-          <p:cNvPr id="40" name="CaixaDeTexto 39">
-            <a:extLst>
-              <a:ext uri="{FF2B5EF4-FFF2-40B4-BE49-F238E27FC236}">
-                <a16:creationId xmlns:a16="http://schemas.microsoft.com/office/drawing/2014/main" id="{6029EF5C-CE0C-48F5-B08D-AEF3FF0BA42A}"/>
-              </a:ext>
-            </a:extLst>
-          </p:cNvPr>
-          <p:cNvSpPr txBox="1"/>
-          <p:nvPr/>
-        </p:nvSpPr>
-        <p:spPr>
-          <a:xfrm>
-            <a:off x="8760137" y="1487498"/>
-            <a:ext cx="3307643" cy="369332"/>
-          </a:xfrm>
-          <a:prstGeom prst="rect">
-            <a:avLst/>
-          </a:prstGeom>
-          <a:noFill/>
-        </p:spPr>
-        <p:txBody>
-          <a:bodyPr wrap="square" rtlCol="0">
-            <a:spAutoFit/>
-          </a:bodyPr>
-          <a:lstStyle/>
-          <a:p>
-            <a:pPr algn="ctr"/>
-            <a:r>
-              <a:rPr lang="pt-BR" dirty="0">
-                <a:cs typeface="Arial" panose="020B0604020202020204" pitchFamily="34" charset="0"/>
-              </a:rPr>
-              <a:t>Front + Backend </a:t>
-            </a:r>
-          </a:p>
-        </p:txBody>
-      </p:sp>
       <p:cxnSp>
         <p:nvCxnSpPr>
           <p:cNvPr id="48" name="Conector de Seta Reta 47">
@@ -6272,6 +6234,67 @@
               <a:latin typeface="Arial" panose="020B0604020202020204" pitchFamily="34" charset="0"/>
               <a:cs typeface="Arial" panose="020B0604020202020204" pitchFamily="34" charset="0"/>
             </a:endParaRPr>
+          </a:p>
+        </p:txBody>
+      </p:sp>
+      <p:sp>
+        <p:nvSpPr>
+          <p:cNvPr id="2" name="Retângulo 1">
+            <a:extLst>
+              <a:ext uri="{FF2B5EF4-FFF2-40B4-BE49-F238E27FC236}">
+                <a16:creationId xmlns:a16="http://schemas.microsoft.com/office/drawing/2014/main" id="{1C7979E4-35F2-43FF-8102-444350C5C9E6}"/>
+              </a:ext>
+            </a:extLst>
+          </p:cNvPr>
+          <p:cNvSpPr/>
+          <p:nvPr/>
+        </p:nvSpPr>
+        <p:spPr>
+          <a:xfrm>
+            <a:off x="9229780" y="1573489"/>
+            <a:ext cx="2256322" cy="369332"/>
+          </a:xfrm>
+          <a:prstGeom prst="rect">
+            <a:avLst/>
+          </a:prstGeom>
+        </p:spPr>
+        <p:txBody>
+          <a:bodyPr wrap="none">
+            <a:spAutoFit/>
+          </a:bodyPr>
+          <a:lstStyle/>
+          <a:p>
+            <a:pPr algn="ctr"/>
+            <a:r>
+              <a:rPr lang="pt-BR" dirty="0">
+                <a:cs typeface="Arial" panose="020B0604020202020204" pitchFamily="34" charset="0"/>
+              </a:rPr>
+              <a:t>Front-</a:t>
+            </a:r>
+            <a:r>
+              <a:rPr lang="pt-BR" dirty="0" err="1">
+                <a:cs typeface="Arial" panose="020B0604020202020204" pitchFamily="34" charset="0"/>
+              </a:rPr>
+              <a:t>end</a:t>
+            </a:r>
+            <a:r>
+              <a:rPr lang="pt-BR" dirty="0">
+                <a:cs typeface="Arial" panose="020B0604020202020204" pitchFamily="34" charset="0"/>
+              </a:rPr>
+              <a:t> + Back-</a:t>
+            </a:r>
+            <a:r>
+              <a:rPr lang="pt-BR" dirty="0" err="1">
+                <a:cs typeface="Arial" panose="020B0604020202020204" pitchFamily="34" charset="0"/>
+              </a:rPr>
+              <a:t>end</a:t>
+            </a:r>
+            <a:r>
+              <a:rPr lang="pt-BR" dirty="0">
+                <a:cs typeface="Arial" panose="020B0604020202020204" pitchFamily="34" charset="0"/>
+              </a:rPr>
+              <a:t> </a:t>
+            </a:r>
           </a:p>
         </p:txBody>
       </p:sp>
@@ -7109,44 +7132,6 @@
           </a:p>
         </p:txBody>
       </p:sp>
-      <p:sp>
-        <p:nvSpPr>
-          <p:cNvPr id="40" name="CaixaDeTexto 39">
-            <a:extLst>
-              <a:ext uri="{FF2B5EF4-FFF2-40B4-BE49-F238E27FC236}">
-                <a16:creationId xmlns:a16="http://schemas.microsoft.com/office/drawing/2014/main" id="{6029EF5C-CE0C-48F5-B08D-AEF3FF0BA42A}"/>
-              </a:ext>
-            </a:extLst>
-          </p:cNvPr>
-          <p:cNvSpPr txBox="1"/>
-          <p:nvPr/>
-        </p:nvSpPr>
-        <p:spPr>
-          <a:xfrm>
-            <a:off x="8760137" y="1487498"/>
-            <a:ext cx="3307643" cy="369332"/>
-          </a:xfrm>
-          <a:prstGeom prst="rect">
-            <a:avLst/>
-          </a:prstGeom>
-          <a:noFill/>
-        </p:spPr>
-        <p:txBody>
-          <a:bodyPr wrap="square" rtlCol="0">
-            <a:spAutoFit/>
-          </a:bodyPr>
-          <a:lstStyle/>
-          <a:p>
-            <a:pPr algn="ctr"/>
-            <a:r>
-              <a:rPr lang="pt-BR" dirty="0">
-                <a:cs typeface="Arial" panose="020B0604020202020204" pitchFamily="34" charset="0"/>
-              </a:rPr>
-              <a:t>Front + Backend </a:t>
-            </a:r>
-          </a:p>
-        </p:txBody>
-      </p:sp>
       <p:cxnSp>
         <p:nvCxnSpPr>
           <p:cNvPr id="48" name="Conector de Seta Reta 47">
@@ -7836,6 +7821,67 @@
           <a:p>
             <a:pPr algn="ctr"/>
             <a:endParaRPr lang="pt-BR"/>
+          </a:p>
+        </p:txBody>
+      </p:sp>
+      <p:sp>
+        <p:nvSpPr>
+          <p:cNvPr id="3" name="Retângulo 2">
+            <a:extLst>
+              <a:ext uri="{FF2B5EF4-FFF2-40B4-BE49-F238E27FC236}">
+                <a16:creationId xmlns:a16="http://schemas.microsoft.com/office/drawing/2014/main" id="{4FC7B0FE-2A35-4B7F-8A94-09A00A9A740A}"/>
+              </a:ext>
+            </a:extLst>
+          </p:cNvPr>
+          <p:cNvSpPr/>
+          <p:nvPr/>
+        </p:nvSpPr>
+        <p:spPr>
+          <a:xfrm>
+            <a:off x="9272218" y="1549877"/>
+            <a:ext cx="2256322" cy="369332"/>
+          </a:xfrm>
+          <a:prstGeom prst="rect">
+            <a:avLst/>
+          </a:prstGeom>
+        </p:spPr>
+        <p:txBody>
+          <a:bodyPr wrap="none">
+            <a:spAutoFit/>
+          </a:bodyPr>
+          <a:lstStyle/>
+          <a:p>
+            <a:pPr algn="ctr"/>
+            <a:r>
+              <a:rPr lang="pt-BR" dirty="0">
+                <a:cs typeface="Arial" panose="020B0604020202020204" pitchFamily="34" charset="0"/>
+              </a:rPr>
+              <a:t>Front-</a:t>
+            </a:r>
+            <a:r>
+              <a:rPr lang="pt-BR" dirty="0" err="1">
+                <a:cs typeface="Arial" panose="020B0604020202020204" pitchFamily="34" charset="0"/>
+              </a:rPr>
+              <a:t>end</a:t>
+            </a:r>
+            <a:r>
+              <a:rPr lang="pt-BR" dirty="0">
+                <a:cs typeface="Arial" panose="020B0604020202020204" pitchFamily="34" charset="0"/>
+              </a:rPr>
+              <a:t> + Back-</a:t>
+            </a:r>
+            <a:r>
+              <a:rPr lang="pt-BR" dirty="0" err="1">
+                <a:cs typeface="Arial" panose="020B0604020202020204" pitchFamily="34" charset="0"/>
+              </a:rPr>
+              <a:t>end</a:t>
+            </a:r>
+            <a:r>
+              <a:rPr lang="pt-BR" dirty="0">
+                <a:cs typeface="Arial" panose="020B0604020202020204" pitchFamily="34" charset="0"/>
+              </a:rPr>
+              <a:t> </a:t>
+            </a:r>
           </a:p>
         </p:txBody>
       </p:sp>
@@ -8671,7 +8717,7 @@
         </p:nvSpPr>
         <p:spPr>
           <a:xfrm>
-            <a:off x="8630088" y="1460458"/>
+            <a:off x="8631121" y="1578982"/>
             <a:ext cx="2921069" cy="369332"/>
           </a:xfrm>
           <a:prstGeom prst="rect">
@@ -8690,7 +8736,31 @@
               <a:rPr lang="pt-BR" dirty="0">
                 <a:cs typeface="Arial" panose="020B0604020202020204" pitchFamily="34" charset="0"/>
               </a:rPr>
-              <a:t>Front + Backend </a:t>
+              <a:t>Front-</a:t>
+            </a:r>
+            <a:r>
+              <a:rPr lang="pt-BR" dirty="0" err="1">
+                <a:cs typeface="Arial" panose="020B0604020202020204" pitchFamily="34" charset="0"/>
+              </a:rPr>
+              <a:t>end</a:t>
+            </a:r>
+            <a:r>
+              <a:rPr lang="pt-BR" dirty="0">
+                <a:cs typeface="Arial" panose="020B0604020202020204" pitchFamily="34" charset="0"/>
+              </a:rPr>
+              <a:t> + Back-</a:t>
+            </a:r>
+            <a:r>
+              <a:rPr lang="pt-BR" dirty="0" err="1">
+                <a:cs typeface="Arial" panose="020B0604020202020204" pitchFamily="34" charset="0"/>
+              </a:rPr>
+              <a:t>end</a:t>
+            </a:r>
+            <a:r>
+              <a:rPr lang="pt-BR" dirty="0">
+                <a:cs typeface="Arial" panose="020B0604020202020204" pitchFamily="34" charset="0"/>
+              </a:rPr>
+              <a:t> </a:t>
             </a:r>
           </a:p>
         </p:txBody>
@@ -9619,7 +9689,7 @@
             </a:r>
             <a:r>
               <a:rPr lang="pt-BR" dirty="0" err="1"/>
-              <a:t>container:JDBC</a:t>
+              <a:t>container:JDBC+Jpa</a:t>
             </a:r>
             <a:r>
               <a:rPr lang="pt-BR" dirty="0"/>
@@ -12100,7 +12170,7 @@
         </p:nvSpPr>
         <p:spPr>
           <a:xfrm>
-            <a:off x="6461709" y="6278067"/>
+            <a:off x="6512514" y="6235310"/>
             <a:ext cx="3307643" cy="369332"/>
           </a:xfrm>
           <a:prstGeom prst="rect">
